--- a/Dokumente/präsentation/Vortrag.pptx
+++ b/Dokumente/präsentation/Vortrag.pptx
@@ -19,8 +19,8 @@
     <p:sldId id="277" r:id="rId10"/>
     <p:sldId id="272" r:id="rId11"/>
     <p:sldId id="274" r:id="rId12"/>
-    <p:sldId id="280" r:id="rId13"/>
-    <p:sldId id="275" r:id="rId14"/>
+    <p:sldId id="275" r:id="rId13"/>
+    <p:sldId id="280" r:id="rId14"/>
     <p:sldId id="273" r:id="rId15"/>
     <p:sldId id="281" r:id="rId16"/>
   </p:sldIdLst>
@@ -8871,7 +8871,7 @@
           </a:ln>
           <a:extLst>
             <a:ext uri="{FAA26D3D-D897-4be2-8F04-BA451C77F1D7}">
-              <ma14:placeholderFlag xmlns:wpc="http://schemas.microsoft.com/office/word/2010/wordprocessingCanvas" xmlns:mc="http://schemas.openxmlformats.org/markup-compatibility/2006" xmlns:m="http://schemas.openxmlformats.org/officeDocument/2006/math" xmlns:wp14="http://schemas.microsoft.com/office/word/2010/wordprocessingDrawing" xmlns:wp="http://schemas.openxmlformats.org/drawingml/2006/wordprocessingDrawing" xmlns:w14="http://schemas.microsoft.com/office/word/2010/wordml" xmlns:w15="http://schemas.microsoft.com/office/word/2012/wordml" xmlns:wpg="http://schemas.microsoft.com/office/word/2010/wordprocessingGroup" xmlns:wpi="http://schemas.microsoft.com/office/word/2010/wordprocessingInk" xmlns:wne="http://schemas.microsoft.com/office/word/2006/wordml" xmlns:wps="http://schemas.microsoft.com/office/word/2010/wordprocessingShape" xmlns:pic="http://schemas.openxmlformats.org/drawingml/2006/picture" xmlns="" xmlns:mo="http://schemas.microsoft.com/office/mac/office/2008/main" xmlns:mv="urn:schemas-microsoft-com:mac:vml" xmlns:o="urn:schemas-microsoft-com:office:office" xmlns:v="urn:schemas-microsoft-com:vml" xmlns:w10="urn:schemas-microsoft-com:office:word" xmlns:w="http://schemas.openxmlformats.org/wordprocessingml/2006/main" xmlns:ma14="http://schemas.microsoft.com/office/mac/drawingml/2011/main" xmlns:lc="http://schemas.openxmlformats.org/drawingml/2006/lockedCanvas"/>
+              <ma14:placeholderFlag xmlns:ma14="http://schemas.microsoft.com/office/mac/drawingml/2011/main"/>
             </a:ext>
           </a:extLst>
         </p:spPr>
@@ -8881,13 +8881,13 @@
   <p:clrMapOvr>
     <a:masterClrMapping/>
   </p:clrMapOvr>
-  <p:transition spd="slow">
+  <p:transition xmlns:p14="http://schemas.microsoft.com/office/powerpoint/2010/main" spd="slow">
     <p:cut/>
   </p:transition>
   <p:timing>
     <p:tnLst>
       <p:par>
-        <p:cTn id="1" dur="indefinite" restart="never" nodeType="tmRoot"/>
+        <p:cTn xmlns:p14="http://schemas.microsoft.com/office/powerpoint/2010/main" id="1" dur="indefinite" restart="never" nodeType="tmRoot"/>
       </p:par>
     </p:tnLst>
   </p:timing>
@@ -9070,38 +9070,12 @@
               <a:buNone/>
             </a:pPr>
             <a:r>
-              <a:rPr lang="de-CH" sz="1800" dirty="0" smtClean="0">
-                <a:solidFill>
-                  <a:schemeClr val="lt1"/>
-                </a:solidFill>
-              </a:rPr>
-              <a:t>demo_teamraum.py</a:t>
-            </a:r>
-          </a:p>
-          <a:p>
-            <a:pPr lvl="2" rtl="0">
-              <a:buClr>
-                <a:schemeClr val="lt1"/>
-              </a:buClr>
-              <a:buSzPct val="100000"/>
-              <a:buFont typeface="Arial"/>
-              <a:buNone/>
-            </a:pPr>
-            <a:r>
-              <a:rPr lang="de-CH" sz="1800" dirty="0" err="1">
-                <a:solidFill>
-                  <a:schemeClr val="lt1"/>
-                </a:solidFill>
-              </a:rPr>
-              <a:t>o</a:t>
-            </a:r>
-            <a:r>
               <a:rPr lang="de-CH" sz="1800" dirty="0" err="1" smtClean="0">
                 <a:solidFill>
                   <a:schemeClr val="lt1"/>
                 </a:solidFill>
               </a:rPr>
-              <a:t>rganisation.json</a:t>
+              <a:t>organisation.json</a:t>
             </a:r>
             <a:r>
               <a:rPr lang="de-CH" sz="1800" dirty="0" smtClean="0">
@@ -9111,11 +9085,6 @@
               </a:rPr>
               <a:t> </a:t>
             </a:r>
-            <a:endParaRPr lang="de-CH" sz="1800" dirty="0">
-              <a:solidFill>
-                <a:schemeClr val="lt1"/>
-              </a:solidFill>
-            </a:endParaRPr>
           </a:p>
           <a:p>
             <a:pPr lvl="2" rtl="0">
@@ -9132,7 +9101,15 @@
                   <a:schemeClr val="lt1"/>
                 </a:solidFill>
               </a:rPr>
-              <a:t>teamraum-</a:t>
+              <a:t>teamraum</a:t>
+            </a:r>
+            <a:r>
+              <a:rPr lang="de-CH" sz="1800" dirty="0" smtClean="0">
+                <a:solidFill>
+                  <a:schemeClr val="lt1"/>
+                </a:solidFill>
+              </a:rPr>
+              <a:t>-</a:t>
             </a:r>
             <a:r>
               <a:rPr lang="de-CH" sz="1800" dirty="0" err="1" smtClean="0">
@@ -9149,6 +9126,451 @@
             </a:endParaRPr>
           </a:p>
           <a:p>
+            <a:pPr lvl="2">
+              <a:buClr>
+                <a:schemeClr val="lt1"/>
+              </a:buClr>
+              <a:buSzPct val="100000"/>
+              <a:buNone/>
+            </a:pPr>
+            <a:r>
+              <a:rPr lang="de-CH" sz="1800" dirty="0" err="1" smtClean="0">
+                <a:solidFill>
+                  <a:schemeClr val="lt1"/>
+                </a:solidFill>
+              </a:rPr>
+              <a:t>setuphandlers.py</a:t>
+            </a:r>
+            <a:endParaRPr lang="de" sz="1800" dirty="0">
+              <a:solidFill>
+                <a:schemeClr val="lt1"/>
+              </a:solidFill>
+            </a:endParaRPr>
+          </a:p>
+          <a:p>
+            <a:pPr lvl="2">
+              <a:buClr>
+                <a:schemeClr val="lt1"/>
+              </a:buClr>
+              <a:buSzPct val="100000"/>
+              <a:buNone/>
+            </a:pPr>
+            <a:r>
+              <a:rPr lang="de-CH" sz="1800" dirty="0" err="1" smtClean="0">
+                <a:solidFill>
+                  <a:schemeClr val="lt1"/>
+                </a:solidFill>
+              </a:rPr>
+              <a:t>demo_teamraum.py</a:t>
+            </a:r>
+            <a:r>
+              <a:rPr lang="de-CH" sz="1800" dirty="0" smtClean="0">
+                <a:solidFill>
+                  <a:schemeClr val="lt1"/>
+                </a:solidFill>
+              </a:rPr>
+              <a:t> </a:t>
+            </a:r>
+          </a:p>
+          <a:p>
+            <a:pPr lvl="2">
+              <a:buClr>
+                <a:schemeClr val="lt1"/>
+              </a:buClr>
+              <a:buSzPct val="100000"/>
+              <a:buNone/>
+            </a:pPr>
+            <a:r>
+              <a:rPr lang="de-CH" sz="1800" dirty="0" err="1" smtClean="0">
+                <a:solidFill>
+                  <a:schemeClr val="lt1"/>
+                </a:solidFill>
+              </a:rPr>
+              <a:t>apply_profile.py</a:t>
+            </a:r>
+            <a:r>
+              <a:rPr lang="de-CH" sz="1800" dirty="0" smtClean="0">
+                <a:solidFill>
+                  <a:schemeClr val="lt1"/>
+                </a:solidFill>
+              </a:rPr>
+              <a:t> </a:t>
+            </a:r>
+          </a:p>
+          <a:p>
+            <a:pPr lvl="2">
+              <a:buClr>
+                <a:schemeClr val="lt1"/>
+              </a:buClr>
+              <a:buSzPct val="100000"/>
+              <a:buNone/>
+            </a:pPr>
+            <a:r>
+              <a:rPr lang="en-US" sz="1800" dirty="0">
+                <a:solidFill>
+                  <a:schemeClr val="lt1"/>
+                </a:solidFill>
+              </a:rPr>
+              <a:t>b</a:t>
+            </a:r>
+            <a:r>
+              <a:rPr lang="de-CH" sz="1800" dirty="0" err="1" smtClean="0">
+                <a:solidFill>
+                  <a:schemeClr val="lt1"/>
+                </a:solidFill>
+              </a:rPr>
+              <a:t>uildout.cfg</a:t>
+            </a:r>
+            <a:endParaRPr lang="de-CH" sz="1800" dirty="0" smtClean="0">
+              <a:solidFill>
+                <a:schemeClr val="lt1"/>
+              </a:solidFill>
+            </a:endParaRPr>
+          </a:p>
+        </p:txBody>
+      </p:sp>
+      <p:sp>
+        <p:nvSpPr>
+          <p:cNvPr id="2" name="Right Brace 1"/>
+          <p:cNvSpPr/>
+          <p:nvPr/>
+        </p:nvSpPr>
+        <p:spPr>
+          <a:xfrm>
+            <a:off x="4425461" y="2364157"/>
+            <a:ext cx="508000" cy="1006231"/>
+          </a:xfrm>
+          <a:prstGeom prst="rightBrace">
+            <a:avLst/>
+          </a:prstGeom>
+          <a:noFill/>
+          <a:ln>
+            <a:solidFill>
+              <a:schemeClr val="tx1"/>
+            </a:solidFill>
+          </a:ln>
+        </p:spPr>
+        <p:style>
+          <a:lnRef idx="2">
+            <a:schemeClr val="accent1"/>
+          </a:lnRef>
+          <a:fillRef idx="0">
+            <a:schemeClr val="accent1"/>
+          </a:fillRef>
+          <a:effectRef idx="1">
+            <a:schemeClr val="accent1"/>
+          </a:effectRef>
+          <a:fontRef idx="minor">
+            <a:schemeClr val="tx1"/>
+          </a:fontRef>
+        </p:style>
+        <p:txBody>
+          <a:bodyPr rtlCol="0" anchor="ctr"/>
+          <a:lstStyle/>
+          <a:p>
+            <a:pPr algn="ctr"/>
+            <a:endParaRPr lang="en-US"/>
+          </a:p>
+        </p:txBody>
+      </p:sp>
+      <p:sp>
+        <p:nvSpPr>
+          <p:cNvPr id="7" name="Right Brace 6"/>
+          <p:cNvSpPr/>
+          <p:nvPr/>
+        </p:nvSpPr>
+        <p:spPr>
+          <a:xfrm>
+            <a:off x="3888155" y="3405560"/>
+            <a:ext cx="508000" cy="636564"/>
+          </a:xfrm>
+          <a:prstGeom prst="rightBrace">
+            <a:avLst/>
+          </a:prstGeom>
+          <a:noFill/>
+          <a:ln>
+            <a:solidFill>
+              <a:schemeClr val="tx1"/>
+            </a:solidFill>
+          </a:ln>
+        </p:spPr>
+        <p:style>
+          <a:lnRef idx="2">
+            <a:schemeClr val="accent1"/>
+          </a:lnRef>
+          <a:fillRef idx="0">
+            <a:schemeClr val="accent1"/>
+          </a:fillRef>
+          <a:effectRef idx="1">
+            <a:schemeClr val="accent1"/>
+          </a:effectRef>
+          <a:fontRef idx="minor">
+            <a:schemeClr val="tx1"/>
+          </a:fontRef>
+        </p:style>
+        <p:txBody>
+          <a:bodyPr rtlCol="0" anchor="ctr"/>
+          <a:lstStyle/>
+          <a:p>
+            <a:pPr algn="ctr"/>
+            <a:endParaRPr lang="en-US"/>
+          </a:p>
+        </p:txBody>
+      </p:sp>
+      <p:sp>
+        <p:nvSpPr>
+          <p:cNvPr id="3" name="TextBox 2"/>
+          <p:cNvSpPr txBox="1"/>
+          <p:nvPr/>
+        </p:nvSpPr>
+        <p:spPr>
+          <a:xfrm>
+            <a:off x="4904158" y="2637695"/>
+            <a:ext cx="1133231" cy="369332"/>
+          </a:xfrm>
+          <a:prstGeom prst="rect">
+            <a:avLst/>
+          </a:prstGeom>
+          <a:noFill/>
+        </p:spPr>
+        <p:txBody>
+          <a:bodyPr wrap="square" rtlCol="0">
+            <a:spAutoFit/>
+          </a:bodyPr>
+          <a:lstStyle/>
+          <a:p>
+            <a:r>
+              <a:rPr lang="en-US" sz="1800" b="1" dirty="0" err="1" smtClean="0"/>
+              <a:t>eGov</a:t>
+            </a:r>
+            <a:endParaRPr lang="en-US" sz="1800" b="1" dirty="0"/>
+          </a:p>
+        </p:txBody>
+      </p:sp>
+      <p:sp>
+        <p:nvSpPr>
+          <p:cNvPr id="8" name="TextBox 7"/>
+          <p:cNvSpPr txBox="1"/>
+          <p:nvPr/>
+        </p:nvSpPr>
+        <p:spPr>
+          <a:xfrm>
+            <a:off x="4460631" y="3415330"/>
+            <a:ext cx="2162909" cy="646331"/>
+          </a:xfrm>
+          <a:prstGeom prst="rect">
+            <a:avLst/>
+          </a:prstGeom>
+          <a:noFill/>
+        </p:spPr>
+        <p:txBody>
+          <a:bodyPr wrap="square" rtlCol="0">
+            <a:spAutoFit/>
+          </a:bodyPr>
+          <a:lstStyle/>
+          <a:p>
+            <a:r>
+              <a:rPr lang="en-US" sz="1800" b="1" dirty="0" err="1"/>
+              <a:t>t</a:t>
+            </a:r>
+            <a:r>
+              <a:rPr lang="en-US" sz="1800" b="1" dirty="0" err="1" smtClean="0"/>
+              <a:t>eamraum-buildout</a:t>
+            </a:r>
+            <a:endParaRPr lang="en-US" sz="1800" b="1" dirty="0"/>
+          </a:p>
+        </p:txBody>
+      </p:sp>
+    </p:spTree>
+    <p:extLst>
+      <p:ext uri="{BB962C8B-B14F-4D97-AF65-F5344CB8AC3E}">
+        <p14:creationId xmlns:p14="http://schemas.microsoft.com/office/powerpoint/2010/main" val="1766418878"/>
+      </p:ext>
+    </p:extLst>
+  </p:cSld>
+  <p:clrMapOvr>
+    <a:masterClrMapping/>
+  </p:clrMapOvr>
+  <p:transition xmlns:p14="http://schemas.microsoft.com/office/powerpoint/2010/main" spd="slow">
+    <p:cut/>
+  </p:transition>
+  <p:timing>
+    <p:tnLst>
+      <p:par>
+        <p:cTn xmlns:p14="http://schemas.microsoft.com/office/powerpoint/2010/main" id="1" dur="indefinite" restart="never" nodeType="tmRoot"/>
+      </p:par>
+    </p:tnLst>
+  </p:timing>
+</p:sld>
+</file>
+
+<file path=ppt/slides/slide11.xml><?xml version="1.0" encoding="utf-8"?>
+<p:sld xmlns:a="http://schemas.openxmlformats.org/drawingml/2006/main" xmlns:r="http://schemas.openxmlformats.org/officeDocument/2006/relationships" xmlns:p="http://schemas.openxmlformats.org/presentationml/2006/main">
+  <p:cSld>
+    <p:spTree>
+      <p:nvGrpSpPr>
+        <p:cNvPr id="1" name="Shape 261"/>
+        <p:cNvGrpSpPr/>
+        <p:nvPr/>
+      </p:nvGrpSpPr>
+      <p:grpSpPr>
+        <a:xfrm>
+          <a:off x="0" y="0"/>
+          <a:ext cx="0" cy="0"/>
+          <a:chOff x="0" y="0"/>
+          <a:chExt cx="0" cy="0"/>
+        </a:xfrm>
+      </p:grpSpPr>
+      <p:sp>
+        <p:nvSpPr>
+          <p:cNvPr id="262" name="Shape 262"/>
+          <p:cNvSpPr txBox="1">
+            <a:spLocks noGrp="1"/>
+          </p:cNvSpPr>
+          <p:nvPr>
+            <p:ph type="title"/>
+          </p:nvPr>
+        </p:nvSpPr>
+        <p:spPr>
+          <a:xfrm>
+            <a:off x="457200" y="205978"/>
+            <a:ext cx="8229600" cy="857250"/>
+          </a:xfrm>
+          <a:prstGeom prst="rect">
+            <a:avLst/>
+          </a:prstGeom>
+          <a:noFill/>
+          <a:ln>
+            <a:noFill/>
+          </a:ln>
+        </p:spPr>
+        <p:txBody>
+          <a:bodyPr lIns="91425" tIns="45700" rIns="91425" bIns="45700" anchor="ctr" anchorCtr="0">
+            <a:noAutofit/>
+          </a:bodyPr>
+          <a:lstStyle/>
+          <a:p>
+            <a:pPr marL="0" marR="0" lvl="0" indent="0" algn="ctr" rtl="0">
+              <a:spcBef>
+                <a:spcPts val="0"/>
+              </a:spcBef>
+              <a:buClr>
+                <a:schemeClr val="dk1"/>
+              </a:buClr>
+              <a:buSzPct val="25000"/>
+              <a:buFont typeface="Helvetica Neue"/>
+              <a:buNone/>
+            </a:pPr>
+            <a:r>
+              <a:rPr lang="de" sz="2400" b="1" i="0" u="none" strike="noStrike" cap="none" baseline="0" dirty="0" smtClean="0">
+                <a:solidFill>
+                  <a:schemeClr val="dk1"/>
+                </a:solidFill>
+              </a:rPr>
+              <a:t>Realisierung</a:t>
+            </a:r>
+            <a:endParaRPr lang="de" sz="2400" b="1" i="0" u="none" strike="noStrike" cap="none" baseline="0" dirty="0">
+              <a:solidFill>
+                <a:schemeClr val="dk1"/>
+              </a:solidFill>
+            </a:endParaRPr>
+          </a:p>
+        </p:txBody>
+      </p:sp>
+      <p:sp>
+        <p:nvSpPr>
+          <p:cNvPr id="263" name="Shape 263"/>
+          <p:cNvSpPr/>
+          <p:nvPr/>
+        </p:nvSpPr>
+        <p:spPr>
+          <a:xfrm>
+            <a:off x="395937" y="1379014"/>
+            <a:ext cx="8407826" cy="3545681"/>
+          </a:xfrm>
+          <a:prstGeom prst="rect">
+            <a:avLst/>
+          </a:prstGeom>
+          <a:solidFill>
+            <a:schemeClr val="accent1"/>
+          </a:solidFill>
+          <a:ln>
+            <a:noFill/>
+          </a:ln>
+        </p:spPr>
+        <p:txBody>
+          <a:bodyPr lIns="91425" tIns="45700" rIns="91425" bIns="45700" anchor="ctr" anchorCtr="0">
+            <a:noAutofit/>
+          </a:bodyPr>
+          <a:lstStyle/>
+          <a:p>
+            <a:endParaRPr/>
+          </a:p>
+        </p:txBody>
+      </p:sp>
+      <p:sp>
+        <p:nvSpPr>
+          <p:cNvPr id="6" name="Shape 169"/>
+          <p:cNvSpPr txBox="1">
+            <a:spLocks noGrp="1"/>
+          </p:cNvSpPr>
+          <p:nvPr>
+            <p:ph type="body" idx="1"/>
+          </p:nvPr>
+        </p:nvSpPr>
+        <p:spPr>
+          <a:xfrm>
+            <a:off x="501512" y="1383965"/>
+            <a:ext cx="8412900" cy="3535799"/>
+          </a:xfrm>
+          <a:prstGeom prst="rect">
+            <a:avLst/>
+          </a:prstGeom>
+          <a:noFill/>
+          <a:ln>
+            <a:noFill/>
+          </a:ln>
+        </p:spPr>
+        <p:txBody>
+          <a:bodyPr lIns="91425" tIns="45700" rIns="91425" bIns="45700" anchor="ctr" anchorCtr="0">
+            <a:noAutofit/>
+          </a:bodyPr>
+          <a:lstStyle/>
+          <a:p>
+            <a:pPr marL="457200" lvl="0" indent="-381000" rtl="0">
+              <a:spcBef>
+                <a:spcPts val="0"/>
+              </a:spcBef>
+              <a:buClr>
+                <a:srgbClr val="FFFFFF"/>
+              </a:buClr>
+              <a:buSzPct val="100000"/>
+              <a:buFont typeface="Calibri"/>
+              <a:buChar char="•"/>
+            </a:pPr>
+            <a:r>
+              <a:rPr lang="de-CH" sz="1800" b="1" dirty="0" smtClean="0">
+                <a:solidFill>
+                  <a:schemeClr val="lt1"/>
+                </a:solidFill>
+              </a:rPr>
+              <a:t>Der neuste </a:t>
+            </a:r>
+            <a:r>
+              <a:rPr lang="de" sz="1800" b="1" dirty="0" smtClean="0">
+                <a:solidFill>
+                  <a:schemeClr val="lt1"/>
+                </a:solidFill>
+              </a:rPr>
+              <a:t>Release</a:t>
+            </a:r>
+            <a:endParaRPr lang="de" sz="1800" b="1" dirty="0">
+              <a:solidFill>
+                <a:schemeClr val="lt1"/>
+              </a:solidFill>
+            </a:endParaRPr>
+          </a:p>
+          <a:p>
             <a:pPr lvl="2" rtl="0">
               <a:buClr>
                 <a:schemeClr val="lt1"/>
@@ -9163,16 +9585,31 @@
                   <a:schemeClr val="lt1"/>
                 </a:solidFill>
               </a:rPr>
-              <a:t>apply_profile.py</a:t>
+              <a:t>Demoplattform </a:t>
             </a:r>
-          </a:p>
-          <a:p>
-            <a:pPr lvl="2" rtl="0">
+            <a:r>
+              <a:rPr lang="de-CH" sz="1800" dirty="0" smtClean="0">
+                <a:solidFill>
+                  <a:schemeClr val="lt1"/>
+                </a:solidFill>
+              </a:rPr>
+              <a:t>mit dem neusten Release </a:t>
+            </a:r>
+            <a:r>
+              <a:rPr lang="de-CH" sz="1800" dirty="0" smtClean="0">
+                <a:solidFill>
+                  <a:schemeClr val="lt1"/>
+                </a:solidFill>
+              </a:rPr>
+              <a:t>aufsetzen</a:t>
+            </a:r>
+          </a:p>
+          <a:p>
+            <a:pPr lvl="2">
               <a:buClr>
                 <a:schemeClr val="lt1"/>
               </a:buClr>
               <a:buSzPct val="100000"/>
-              <a:buFont typeface="Arial"/>
               <a:buNone/>
             </a:pPr>
             <a:r>
@@ -9181,16 +9618,31 @@
                   <a:schemeClr val="lt1"/>
                 </a:solidFill>
               </a:rPr>
-              <a:t>s</a:t>
+              <a:t>Anpassungen im </a:t>
             </a:r>
             <a:r>
-              <a:rPr lang="de-CH" sz="1800" dirty="0" smtClean="0">
+              <a:rPr lang="de-CH" sz="1800" dirty="0" err="1">
                 <a:solidFill>
                   <a:schemeClr val="lt1"/>
                 </a:solidFill>
               </a:rPr>
-              <a:t>etuphandlers.py</a:t>
+              <a:t>Buildout</a:t>
             </a:r>
+            <a:endParaRPr lang="de-CH" sz="1800" dirty="0">
+              <a:solidFill>
+                <a:schemeClr val="lt1"/>
+              </a:solidFill>
+            </a:endParaRPr>
+          </a:p>
+          <a:p>
+            <a:pPr lvl="2" rtl="0">
+              <a:buClr>
+                <a:schemeClr val="lt1"/>
+              </a:buClr>
+              <a:buSzPct val="100000"/>
+              <a:buFont typeface="Arial"/>
+              <a:buNone/>
+            </a:pPr>
             <a:endParaRPr lang="de" sz="1800" dirty="0">
               <a:solidFill>
                 <a:schemeClr val="lt1"/>
@@ -9202,27 +9654,27 @@
     </p:spTree>
     <p:extLst>
       <p:ext uri="{BB962C8B-B14F-4D97-AF65-F5344CB8AC3E}">
-        <p14:creationId xmlns:p14="http://schemas.microsoft.com/office/powerpoint/2010/main" val="1766418878"/>
+        <p14:creationId xmlns:p14="http://schemas.microsoft.com/office/powerpoint/2010/main" val="2927383773"/>
       </p:ext>
     </p:extLst>
   </p:cSld>
   <p:clrMapOvr>
     <a:masterClrMapping/>
   </p:clrMapOvr>
-  <p:transition spd="slow">
+  <p:transition xmlns:p14="http://schemas.microsoft.com/office/powerpoint/2010/main" spd="slow">
     <p:cut/>
   </p:transition>
   <p:timing>
     <p:tnLst>
       <p:par>
-        <p:cTn id="1" dur="indefinite" restart="never" nodeType="tmRoot"/>
+        <p:cTn xmlns:p14="http://schemas.microsoft.com/office/powerpoint/2010/main" id="1" dur="indefinite" restart="never" nodeType="tmRoot"/>
       </p:par>
     </p:tnLst>
   </p:timing>
 </p:sld>
 </file>
 
-<file path=ppt/slides/slide11.xml><?xml version="1.0" encoding="utf-8"?>
+<file path=ppt/slides/slide12.xml><?xml version="1.0" encoding="utf-8"?>
 <p:sld xmlns:a="http://schemas.openxmlformats.org/drawingml/2006/main" xmlns:r="http://schemas.openxmlformats.org/officeDocument/2006/relationships" xmlns:p="http://schemas.openxmlformats.org/presentationml/2006/main">
   <p:cSld>
     <p:spTree>
@@ -9481,245 +9933,13 @@
   <p:clrMapOvr>
     <a:masterClrMapping/>
   </p:clrMapOvr>
-  <p:transition spd="slow">
+  <p:transition xmlns:p14="http://schemas.microsoft.com/office/powerpoint/2010/main" spd="slow">
     <p:cut/>
   </p:transition>
   <p:timing>
     <p:tnLst>
       <p:par>
-        <p:cTn id="1" dur="indefinite" restart="never" nodeType="tmRoot"/>
-      </p:par>
-    </p:tnLst>
-  </p:timing>
-</p:sld>
-</file>
-
-<file path=ppt/slides/slide12.xml><?xml version="1.0" encoding="utf-8"?>
-<p:sld xmlns:a="http://schemas.openxmlformats.org/drawingml/2006/main" xmlns:r="http://schemas.openxmlformats.org/officeDocument/2006/relationships" xmlns:p="http://schemas.openxmlformats.org/presentationml/2006/main">
-  <p:cSld>
-    <p:spTree>
-      <p:nvGrpSpPr>
-        <p:cNvPr id="1" name="Shape 261"/>
-        <p:cNvGrpSpPr/>
-        <p:nvPr/>
-      </p:nvGrpSpPr>
-      <p:grpSpPr>
-        <a:xfrm>
-          <a:off x="0" y="0"/>
-          <a:ext cx="0" cy="0"/>
-          <a:chOff x="0" y="0"/>
-          <a:chExt cx="0" cy="0"/>
-        </a:xfrm>
-      </p:grpSpPr>
-      <p:sp>
-        <p:nvSpPr>
-          <p:cNvPr id="262" name="Shape 262"/>
-          <p:cNvSpPr txBox="1">
-            <a:spLocks noGrp="1"/>
-          </p:cNvSpPr>
-          <p:nvPr>
-            <p:ph type="title"/>
-          </p:nvPr>
-        </p:nvSpPr>
-        <p:spPr>
-          <a:xfrm>
-            <a:off x="457200" y="205978"/>
-            <a:ext cx="8229600" cy="857250"/>
-          </a:xfrm>
-          <a:prstGeom prst="rect">
-            <a:avLst/>
-          </a:prstGeom>
-          <a:noFill/>
-          <a:ln>
-            <a:noFill/>
-          </a:ln>
-        </p:spPr>
-        <p:txBody>
-          <a:bodyPr lIns="91425" tIns="45700" rIns="91425" bIns="45700" anchor="ctr" anchorCtr="0">
-            <a:noAutofit/>
-          </a:bodyPr>
-          <a:lstStyle/>
-          <a:p>
-            <a:pPr marL="0" marR="0" lvl="0" indent="0" algn="ctr" rtl="0">
-              <a:spcBef>
-                <a:spcPts val="0"/>
-              </a:spcBef>
-              <a:buClr>
-                <a:schemeClr val="dk1"/>
-              </a:buClr>
-              <a:buSzPct val="25000"/>
-              <a:buFont typeface="Helvetica Neue"/>
-              <a:buNone/>
-            </a:pPr>
-            <a:r>
-              <a:rPr lang="de" sz="2400" b="1" i="0" u="none" strike="noStrike" cap="none" baseline="0" dirty="0" smtClean="0">
-                <a:solidFill>
-                  <a:schemeClr val="dk1"/>
-                </a:solidFill>
-              </a:rPr>
-              <a:t>Realisierung</a:t>
-            </a:r>
-            <a:endParaRPr lang="de" sz="2400" b="1" i="0" u="none" strike="noStrike" cap="none" baseline="0" dirty="0">
-              <a:solidFill>
-                <a:schemeClr val="dk1"/>
-              </a:solidFill>
-            </a:endParaRPr>
-          </a:p>
-        </p:txBody>
-      </p:sp>
-      <p:sp>
-        <p:nvSpPr>
-          <p:cNvPr id="263" name="Shape 263"/>
-          <p:cNvSpPr/>
-          <p:nvPr/>
-        </p:nvSpPr>
-        <p:spPr>
-          <a:xfrm>
-            <a:off x="395937" y="1379014"/>
-            <a:ext cx="8407826" cy="3545681"/>
-          </a:xfrm>
-          <a:prstGeom prst="rect">
-            <a:avLst/>
-          </a:prstGeom>
-          <a:solidFill>
-            <a:schemeClr val="accent1"/>
-          </a:solidFill>
-          <a:ln>
-            <a:noFill/>
-          </a:ln>
-        </p:spPr>
-        <p:txBody>
-          <a:bodyPr lIns="91425" tIns="45700" rIns="91425" bIns="45700" anchor="ctr" anchorCtr="0">
-            <a:noAutofit/>
-          </a:bodyPr>
-          <a:lstStyle/>
-          <a:p>
-            <a:endParaRPr/>
-          </a:p>
-        </p:txBody>
-      </p:sp>
-      <p:sp>
-        <p:nvSpPr>
-          <p:cNvPr id="6" name="Shape 169"/>
-          <p:cNvSpPr txBox="1">
-            <a:spLocks noGrp="1"/>
-          </p:cNvSpPr>
-          <p:nvPr>
-            <p:ph type="body" idx="1"/>
-          </p:nvPr>
-        </p:nvSpPr>
-        <p:spPr>
-          <a:xfrm>
-            <a:off x="501512" y="1383965"/>
-            <a:ext cx="8412900" cy="3535799"/>
-          </a:xfrm>
-          <a:prstGeom prst="rect">
-            <a:avLst/>
-          </a:prstGeom>
-          <a:noFill/>
-          <a:ln>
-            <a:noFill/>
-          </a:ln>
-        </p:spPr>
-        <p:txBody>
-          <a:bodyPr lIns="91425" tIns="45700" rIns="91425" bIns="45700" anchor="ctr" anchorCtr="0">
-            <a:noAutofit/>
-          </a:bodyPr>
-          <a:lstStyle/>
-          <a:p>
-            <a:pPr marL="457200" lvl="0" indent="-381000" rtl="0">
-              <a:spcBef>
-                <a:spcPts val="0"/>
-              </a:spcBef>
-              <a:buClr>
-                <a:srgbClr val="FFFFFF"/>
-              </a:buClr>
-              <a:buSzPct val="100000"/>
-              <a:buFont typeface="Calibri"/>
-              <a:buChar char="•"/>
-            </a:pPr>
-            <a:r>
-              <a:rPr lang="de" sz="1800" b="1" dirty="0" smtClean="0">
-                <a:solidFill>
-                  <a:schemeClr val="lt1"/>
-                </a:solidFill>
-              </a:rPr>
-              <a:t>Releases</a:t>
-            </a:r>
-            <a:endParaRPr lang="de" sz="1800" b="1" dirty="0">
-              <a:solidFill>
-                <a:schemeClr val="lt1"/>
-              </a:solidFill>
-            </a:endParaRPr>
-          </a:p>
-          <a:p>
-            <a:pPr lvl="2" rtl="0">
-              <a:buClr>
-                <a:schemeClr val="lt1"/>
-              </a:buClr>
-              <a:buSzPct val="100000"/>
-              <a:buFont typeface="Arial"/>
-              <a:buNone/>
-            </a:pPr>
-            <a:r>
-              <a:rPr lang="de-CH" sz="1800" dirty="0" err="1" smtClean="0">
-                <a:solidFill>
-                  <a:schemeClr val="lt1"/>
-                </a:solidFill>
-              </a:rPr>
-              <a:t>Pinning</a:t>
-            </a:r>
-            <a:r>
-              <a:rPr lang="de-CH" sz="1800" dirty="0" smtClean="0">
-                <a:solidFill>
-                  <a:schemeClr val="lt1"/>
-                </a:solidFill>
-              </a:rPr>
-              <a:t> der neusten Version</a:t>
-            </a:r>
-          </a:p>
-          <a:p>
-            <a:pPr lvl="2" rtl="0">
-              <a:buClr>
-                <a:schemeClr val="lt1"/>
-              </a:buClr>
-              <a:buSzPct val="100000"/>
-              <a:buFont typeface="Arial"/>
-              <a:buNone/>
-            </a:pPr>
-            <a:r>
-              <a:rPr lang="de-CH" sz="1800" dirty="0" smtClean="0">
-                <a:solidFill>
-                  <a:schemeClr val="lt1"/>
-                </a:solidFill>
-              </a:rPr>
-              <a:t>Demoplattform mit dem neusten Release aufsetzen</a:t>
-            </a:r>
-            <a:endParaRPr lang="de" sz="1800" dirty="0">
-              <a:solidFill>
-                <a:schemeClr val="lt1"/>
-              </a:solidFill>
-            </a:endParaRPr>
-          </a:p>
-        </p:txBody>
-      </p:sp>
-    </p:spTree>
-    <p:extLst>
-      <p:ext uri="{BB962C8B-B14F-4D97-AF65-F5344CB8AC3E}">
-        <p14:creationId xmlns:p14="http://schemas.microsoft.com/office/powerpoint/2010/main" val="2927383773"/>
-      </p:ext>
-    </p:extLst>
-  </p:cSld>
-  <p:clrMapOvr>
-    <a:masterClrMapping/>
-  </p:clrMapOvr>
-  <p:transition spd="slow">
-    <p:cut/>
-  </p:transition>
-  <p:timing>
-    <p:tnLst>
-      <p:par>
-        <p:cTn id="1" dur="indefinite" restart="never" nodeType="tmRoot"/>
+        <p:cTn xmlns:p14="http://schemas.microsoft.com/office/powerpoint/2010/main" id="1" dur="indefinite" restart="never" nodeType="tmRoot"/>
       </p:par>
     </p:tnLst>
   </p:timing>
@@ -9912,13 +10132,13 @@
   <p:clrMapOvr>
     <a:masterClrMapping/>
   </p:clrMapOvr>
-  <p:transition spd="slow">
+  <p:transition xmlns:p14="http://schemas.microsoft.com/office/powerpoint/2010/main" spd="slow">
     <p:cut/>
   </p:transition>
   <p:timing>
     <p:tnLst>
       <p:par>
-        <p:cTn id="1" dur="indefinite" restart="never" nodeType="tmRoot"/>
+        <p:cTn xmlns:p14="http://schemas.microsoft.com/office/powerpoint/2010/main" id="1" dur="indefinite" restart="never" nodeType="tmRoot"/>
       </p:par>
     </p:tnLst>
   </p:timing>
@@ -10111,13 +10331,13 @@
   <p:clrMapOvr>
     <a:masterClrMapping/>
   </p:clrMapOvr>
-  <p:transition spd="slow">
+  <p:transition xmlns:p14="http://schemas.microsoft.com/office/powerpoint/2010/main" spd="slow">
     <p:cut/>
   </p:transition>
   <p:timing>
     <p:tnLst>
       <p:par>
-        <p:cTn id="1" dur="indefinite" restart="never" nodeType="tmRoot"/>
+        <p:cTn xmlns:p14="http://schemas.microsoft.com/office/powerpoint/2010/main" id="1" dur="indefinite" restart="never" nodeType="tmRoot"/>
       </p:par>
     </p:tnLst>
   </p:timing>
@@ -10240,24 +10460,13 @@
                   <a:schemeClr val="lt1"/>
                 </a:solidFill>
               </a:rPr>
-              <a:t>Begrüssung</a:t>
-            </a:r>
-          </a:p>
-          <a:p>
-            <a:pPr marL="457200" marR="0" lvl="0" indent="0" algn="l" rtl="0">
-              <a:spcBef>
-                <a:spcPts val="0"/>
-              </a:spcBef>
-              <a:buNone/>
-            </a:pPr>
-            <a:r>
-              <a:rPr lang="de" sz="1800" b="0" i="0" u="none" strike="noStrike" cap="none" baseline="0" dirty="0" smtClean="0">
-                <a:solidFill>
-                  <a:schemeClr val="lt1"/>
-                </a:solidFill>
-              </a:rPr>
               <a:t>Einführung </a:t>
             </a:r>
+            <a:endParaRPr lang="de" sz="1800" b="0" i="0" u="none" strike="noStrike" cap="none" baseline="0" dirty="0" smtClean="0">
+              <a:solidFill>
+                <a:schemeClr val="lt1"/>
+              </a:solidFill>
+            </a:endParaRPr>
           </a:p>
           <a:p>
             <a:pPr marL="457200" marR="0" lvl="0" indent="0" algn="l" rtl="0">
@@ -10675,13 +10884,13 @@
   <p:clrMapOvr>
     <a:masterClrMapping/>
   </p:clrMapOvr>
-  <p:transition spd="slow">
+  <p:transition xmlns:p14="http://schemas.microsoft.com/office/powerpoint/2010/main" spd="slow">
     <p:cut/>
   </p:transition>
   <p:timing>
     <p:tnLst>
       <p:par>
-        <p:cTn id="1" dur="indefinite" restart="never" nodeType="tmRoot"/>
+        <p:cTn xmlns:p14="http://schemas.microsoft.com/office/powerpoint/2010/main" id="1" dur="indefinite" restart="never" nodeType="tmRoot"/>
       </p:par>
     </p:tnLst>
   </p:timing>
@@ -10938,12 +11147,36 @@
               <a:buChar char="-"/>
             </a:pPr>
             <a:r>
+              <a:rPr lang="de" sz="1800" dirty="0" smtClean="0">
+                <a:solidFill>
+                  <a:schemeClr val="lt1"/>
+                </a:solidFill>
+              </a:rPr>
+              <a:t>Dienstleitungen</a:t>
+            </a:r>
+            <a:r>
+              <a:rPr lang="de-CH" sz="1800" dirty="0" smtClean="0">
+                <a:solidFill>
+                  <a:schemeClr val="lt1"/>
+                </a:solidFill>
+              </a:rPr>
+              <a:t>:</a:t>
+            </a:r>
+            <a:r>
+              <a:rPr lang="de" sz="1800" dirty="0" smtClean="0">
+                <a:solidFill>
+                  <a:schemeClr val="lt1"/>
+                </a:solidFill>
+              </a:rPr>
+              <a:t> </a:t>
+            </a:r>
+            <a:r>
               <a:rPr lang="de" sz="1800" dirty="0">
                 <a:solidFill>
                   <a:schemeClr val="lt1"/>
                 </a:solidFill>
               </a:rPr>
-              <a:t>Dienstleitungen Bereitstellen von webbasierten </a:t>
+              <a:t>Bereitstellen von webbasierten </a:t>
             </a:r>
             <a:r>
               <a:rPr lang="de" sz="1800" dirty="0" smtClean="0">
@@ -10984,13 +11217,13 @@
   <p:clrMapOvr>
     <a:masterClrMapping/>
   </p:clrMapOvr>
-  <p:transition spd="slow">
+  <p:transition xmlns:p14="http://schemas.microsoft.com/office/powerpoint/2010/main" spd="slow">
     <p:cut/>
   </p:transition>
   <p:timing>
     <p:tnLst>
       <p:par>
-        <p:cTn id="1" dur="indefinite" restart="never" nodeType="tmRoot"/>
+        <p:cTn xmlns:p14="http://schemas.microsoft.com/office/powerpoint/2010/main" id="1" dur="indefinite" restart="never" nodeType="tmRoot"/>
       </p:par>
     </p:tnLst>
   </p:timing>
@@ -11237,13 +11470,13 @@
   <p:clrMapOvr>
     <a:masterClrMapping/>
   </p:clrMapOvr>
-  <p:transition spd="slow">
+  <p:transition xmlns:p14="http://schemas.microsoft.com/office/powerpoint/2010/main" spd="slow">
     <p:cut/>
   </p:transition>
   <p:timing>
     <p:tnLst>
       <p:par>
-        <p:cTn id="1" dur="indefinite" restart="never" nodeType="tmRoot"/>
+        <p:cTn xmlns:p14="http://schemas.microsoft.com/office/powerpoint/2010/main" id="1" dur="indefinite" restart="never" nodeType="tmRoot"/>
       </p:par>
     </p:tnLst>
   </p:timing>
@@ -11525,13 +11758,13 @@
   <p:clrMapOvr>
     <a:masterClrMapping/>
   </p:clrMapOvr>
-  <p:transition spd="slow">
+  <p:transition xmlns:p14="http://schemas.microsoft.com/office/powerpoint/2010/main" spd="slow">
     <p:cut/>
   </p:transition>
   <p:timing>
     <p:tnLst>
       <p:par>
-        <p:cTn id="1" dur="indefinite" restart="never" nodeType="tmRoot"/>
+        <p:cTn xmlns:p14="http://schemas.microsoft.com/office/powerpoint/2010/main" id="1" dur="indefinite" restart="never" nodeType="tmRoot"/>
       </p:par>
     </p:tnLst>
   </p:timing>
@@ -11664,13 +11897,50 @@
               <a:buChar char="•"/>
             </a:pPr>
             <a:r>
+              <a:rPr lang="de-CH" sz="1800" b="1" dirty="0" smtClean="0">
+                <a:solidFill>
+                  <a:schemeClr val="lt1"/>
+                </a:solidFill>
+              </a:rPr>
+              <a:t>Verbesserungen, Erweiterungen sind</a:t>
+            </a:r>
+            <a:r>
               <a:rPr lang="de" sz="1800" b="1" dirty="0" smtClean="0">
                 <a:solidFill>
                   <a:schemeClr val="lt1"/>
                 </a:solidFill>
               </a:rPr>
-              <a:t>Produkteverbesserungen in einem Releaseprozess</a:t>
+              <a:t> </a:t>
             </a:r>
+            <a:r>
+              <a:rPr lang="de" sz="1800" b="1" dirty="0" smtClean="0">
+                <a:solidFill>
+                  <a:schemeClr val="lt1"/>
+                </a:solidFill>
+              </a:rPr>
+              <a:t>in einem </a:t>
+            </a:r>
+            <a:r>
+              <a:rPr lang="de" sz="1800" b="1" dirty="0" smtClean="0">
+                <a:solidFill>
+                  <a:schemeClr val="lt1"/>
+                </a:solidFill>
+              </a:rPr>
+              <a:t>Releaseprozess</a:t>
+            </a:r>
+            <a:r>
+              <a:rPr lang="de-CH" sz="1800" b="1" dirty="0" smtClean="0">
+                <a:solidFill>
+                  <a:schemeClr val="lt1"/>
+                </a:solidFill>
+              </a:rPr>
+              <a:t> eingebettet</a:t>
+            </a:r>
+            <a:endParaRPr lang="de" sz="1800" b="1" dirty="0" smtClean="0">
+              <a:solidFill>
+                <a:schemeClr val="lt1"/>
+              </a:solidFill>
+            </a:endParaRPr>
           </a:p>
           <a:p>
             <a:pPr marL="457200" lvl="0" indent="-381000" rtl="0">
@@ -11690,7 +11960,39 @@
                   <a:schemeClr val="lt1"/>
                 </a:solidFill>
               </a:rPr>
-              <a:t>Demoplattform (URL) für Tests</a:t>
+              <a:t>Demoplattform </a:t>
+            </a:r>
+            <a:r>
+              <a:rPr lang="de" sz="1800" b="1" dirty="0" smtClean="0">
+                <a:solidFill>
+                  <a:schemeClr val="lt1"/>
+                </a:solidFill>
+              </a:rPr>
+              <a:t>(</a:t>
+            </a:r>
+            <a:r>
+              <a:rPr lang="de-CH" sz="1800" b="1" dirty="0" smtClean="0">
+                <a:solidFill>
+                  <a:schemeClr val="lt1"/>
+                </a:solidFill>
+              </a:rPr>
+              <a:t>demo.4teamwork.ch</a:t>
+            </a:r>
+            <a:r>
+              <a:rPr lang="de" sz="1800" b="1" dirty="0" smtClean="0">
+                <a:solidFill>
+                  <a:schemeClr val="lt1"/>
+                </a:solidFill>
+              </a:rPr>
+              <a:t>) </a:t>
+            </a:r>
+            <a:r>
+              <a:rPr lang="de" sz="1800" b="1" dirty="0" smtClean="0">
+                <a:solidFill>
+                  <a:schemeClr val="lt1"/>
+                </a:solidFill>
+              </a:rPr>
+              <a:t>für Tests</a:t>
             </a:r>
             <a:endParaRPr lang="de" sz="1800" b="1" dirty="0">
               <a:solidFill>
@@ -11705,13 +12007,13 @@
   <p:clrMapOvr>
     <a:masterClrMapping/>
   </p:clrMapOvr>
-  <p:transition spd="slow">
+  <p:transition xmlns:p14="http://schemas.microsoft.com/office/powerpoint/2010/main" spd="slow">
     <p:cut/>
   </p:transition>
   <p:timing>
     <p:tnLst>
       <p:par>
-        <p:cTn id="1" dur="indefinite" restart="never" nodeType="tmRoot"/>
+        <p:cTn xmlns:p14="http://schemas.microsoft.com/office/powerpoint/2010/main" id="1" dur="indefinite" restart="never" nodeType="tmRoot"/>
       </p:par>
     </p:tnLst>
   </p:timing>
@@ -11849,7 +12151,15 @@
                   <a:schemeClr val="lt1"/>
                 </a:solidFill>
               </a:rPr>
-              <a:t>Automatisierte Bereitstellung einer Demoplattform</a:t>
+              <a:t>Automatisierte Bereitstellung einer </a:t>
+            </a:r>
+            <a:r>
+              <a:rPr lang="de-CH" sz="1800" b="1" dirty="0" smtClean="0">
+                <a:solidFill>
+                  <a:schemeClr val="lt1"/>
+                </a:solidFill>
+              </a:rPr>
+              <a:t>Demo-Plattform</a:t>
             </a:r>
             <a:endParaRPr lang="de" sz="1800" dirty="0">
               <a:solidFill>
@@ -11869,13 +12179,13 @@
   <p:clrMapOvr>
     <a:masterClrMapping/>
   </p:clrMapOvr>
-  <p:transition spd="slow">
+  <p:transition xmlns:p14="http://schemas.microsoft.com/office/powerpoint/2010/main" spd="slow">
     <p:cut/>
   </p:transition>
   <p:timing>
     <p:tnLst>
       <p:par>
-        <p:cTn id="1" dur="indefinite" restart="never" nodeType="tmRoot"/>
+        <p:cTn xmlns:p14="http://schemas.microsoft.com/office/powerpoint/2010/main" id="1" dur="indefinite" restart="never" nodeType="tmRoot"/>
       </p:par>
     </p:tnLst>
   </p:timing>
@@ -12095,6 +12405,11 @@
               </a:rPr>
               <a:t>Initialisierung</a:t>
             </a:r>
+            <a:endParaRPr lang="de-CH" sz="1800" b="1" dirty="0" smtClean="0">
+              <a:solidFill>
+                <a:schemeClr val="lt1"/>
+              </a:solidFill>
+            </a:endParaRPr>
           </a:p>
         </p:txBody>
       </p:sp>
@@ -12108,13 +12423,13 @@
   <p:clrMapOvr>
     <a:masterClrMapping/>
   </p:clrMapOvr>
-  <p:transition spd="slow">
+  <p:transition xmlns:p14="http://schemas.microsoft.com/office/powerpoint/2010/main" spd="slow">
     <p:cut/>
   </p:transition>
   <p:timing>
     <p:tnLst>
       <p:par>
-        <p:cTn id="1" dur="indefinite" restart="never" nodeType="tmRoot"/>
+        <p:cTn xmlns:p14="http://schemas.microsoft.com/office/powerpoint/2010/main" id="1" dur="indefinite" restart="never" nodeType="tmRoot"/>
       </p:par>
     </p:tnLst>
   </p:timing>
@@ -12340,13 +12655,13 @@
   <p:clrMapOvr>
     <a:masterClrMapping/>
   </p:clrMapOvr>
-  <p:transition spd="slow">
+  <p:transition xmlns:p14="http://schemas.microsoft.com/office/powerpoint/2010/main" spd="slow">
     <p:cut/>
   </p:transition>
   <p:timing>
     <p:tnLst>
       <p:par>
-        <p:cTn id="1" dur="indefinite" restart="never" nodeType="tmRoot"/>
+        <p:cTn xmlns:p14="http://schemas.microsoft.com/office/powerpoint/2010/main" id="1" dur="indefinite" restart="never" nodeType="tmRoot"/>
       </p:par>
     </p:tnLst>
   </p:timing>
